--- a/tutorial_makingFigures.pptx
+++ b/tutorial_makingFigures.pptx
@@ -18,8 +18,8 @@
     <p:sldId id="311" r:id="rId6"/>
     <p:sldId id="290" r:id="rId7"/>
     <p:sldId id="286" r:id="rId8"/>
-    <p:sldId id="287" r:id="rId9"/>
-    <p:sldId id="288" r:id="rId10"/>
+    <p:sldId id="288" r:id="rId9"/>
+    <p:sldId id="287" r:id="rId10"/>
     <p:sldId id="291" r:id="rId11"/>
     <p:sldId id="297" r:id="rId12"/>
     <p:sldId id="281" r:id="rId13"/>
@@ -149,6 +149,152 @@
 </p:presentation>
 </file>
 
+<file path=ppt/revisionInfo.xml><?xml version="1.0" encoding="utf-8"?>
+<p1510:revInfo xmlns:a="http://schemas.openxmlformats.org/drawingml/2006/main" xmlns:r="http://schemas.openxmlformats.org/officeDocument/2006/relationships" xmlns:p1510="http://schemas.microsoft.com/office/powerpoint/2015/10/main">
+  <p1510:revLst>
+    <p1510:client id="{E5CE0262-88A4-E44D-8A59-F4863F76EBF3}" v="15" dt="2022-03-07T15:14:40.247"/>
+  </p1510:revLst>
+</p1510:revInfo>
+</file>
+
+<file path=ppt/changesInfos/changesInfo1.xml><?xml version="1.0" encoding="utf-8"?>
+<pc:chgInfo xmlns:a="http://schemas.openxmlformats.org/drawingml/2006/main" xmlns:r="http://schemas.openxmlformats.org/officeDocument/2006/relationships" xmlns:ac="http://schemas.microsoft.com/office/drawing/2013/main/command" xmlns:pc="http://schemas.microsoft.com/office/powerpoint/2013/main/command">
+  <pc:docChgLst>
+    <pc:chgData name="Samuel Acuna" userId="67db10cf-d3f3-454d-a6f4-7ffae06dac58" providerId="ADAL" clId="{E5CE0262-88A4-E44D-8A59-F4863F76EBF3}"/>
+    <pc:docChg chg="undo custSel modSld sldOrd">
+      <pc:chgData name="Samuel Acuna" userId="67db10cf-d3f3-454d-a6f4-7ffae06dac58" providerId="ADAL" clId="{E5CE0262-88A4-E44D-8A59-F4863F76EBF3}" dt="2022-03-07T15:15:25.313" v="81" actId="20578"/>
+      <pc:docMkLst>
+        <pc:docMk/>
+      </pc:docMkLst>
+      <pc:sldChg chg="modSp mod">
+        <pc:chgData name="Samuel Acuna" userId="67db10cf-d3f3-454d-a6f4-7ffae06dac58" providerId="ADAL" clId="{E5CE0262-88A4-E44D-8A59-F4863F76EBF3}" dt="2022-03-07T15:12:59.405" v="63" actId="20577"/>
+        <pc:sldMkLst>
+          <pc:docMk/>
+          <pc:sldMk cId="762616611" sldId="271"/>
+        </pc:sldMkLst>
+        <pc:spChg chg="mod">
+          <ac:chgData name="Samuel Acuna" userId="67db10cf-d3f3-454d-a6f4-7ffae06dac58" providerId="ADAL" clId="{E5CE0262-88A4-E44D-8A59-F4863F76EBF3}" dt="2022-03-07T15:12:42.115" v="27" actId="6549"/>
+          <ac:spMkLst>
+            <pc:docMk/>
+            <pc:sldMk cId="762616611" sldId="271"/>
+            <ac:spMk id="2" creationId="{B8A29DD5-83AE-2C47-AF9D-FCF860F2E541}"/>
+          </ac:spMkLst>
+        </pc:spChg>
+        <pc:spChg chg="mod">
+          <ac:chgData name="Samuel Acuna" userId="67db10cf-d3f3-454d-a6f4-7ffae06dac58" providerId="ADAL" clId="{E5CE0262-88A4-E44D-8A59-F4863F76EBF3}" dt="2022-03-07T15:12:59.405" v="63" actId="20577"/>
+          <ac:spMkLst>
+            <pc:docMk/>
+            <pc:sldMk cId="762616611" sldId="271"/>
+            <ac:spMk id="6" creationId="{0038EDCB-E561-CF4E-9744-273326BD8A28}"/>
+          </ac:spMkLst>
+        </pc:spChg>
+      </pc:sldChg>
+      <pc:sldChg chg="modSp mod">
+        <pc:chgData name="Samuel Acuna" userId="67db10cf-d3f3-454d-a6f4-7ffae06dac58" providerId="ADAL" clId="{E5CE0262-88A4-E44D-8A59-F4863F76EBF3}" dt="2022-03-07T15:13:20.651" v="66" actId="20577"/>
+        <pc:sldMkLst>
+          <pc:docMk/>
+          <pc:sldMk cId="1527477290" sldId="272"/>
+        </pc:sldMkLst>
+        <pc:spChg chg="mod">
+          <ac:chgData name="Samuel Acuna" userId="67db10cf-d3f3-454d-a6f4-7ffae06dac58" providerId="ADAL" clId="{E5CE0262-88A4-E44D-8A59-F4863F76EBF3}" dt="2022-03-07T15:13:20.651" v="66" actId="20577"/>
+          <ac:spMkLst>
+            <pc:docMk/>
+            <pc:sldMk cId="1527477290" sldId="272"/>
+            <ac:spMk id="12" creationId="{A0064DA8-CB82-CC4C-A3A9-56C8F4C59ECF}"/>
+          </ac:spMkLst>
+        </pc:spChg>
+      </pc:sldChg>
+      <pc:sldChg chg="addSp delSp modSp mod">
+        <pc:chgData name="Samuel Acuna" userId="67db10cf-d3f3-454d-a6f4-7ffae06dac58" providerId="ADAL" clId="{E5CE0262-88A4-E44D-8A59-F4863F76EBF3}" dt="2022-03-07T15:15:11.643" v="80" actId="1076"/>
+        <pc:sldMkLst>
+          <pc:docMk/>
+          <pc:sldMk cId="3241246560" sldId="287"/>
+        </pc:sldMkLst>
+        <pc:spChg chg="mod">
+          <ac:chgData name="Samuel Acuna" userId="67db10cf-d3f3-454d-a6f4-7ffae06dac58" providerId="ADAL" clId="{E5CE0262-88A4-E44D-8A59-F4863F76EBF3}" dt="2022-03-07T15:15:08.964" v="79" actId="1076"/>
+          <ac:spMkLst>
+            <pc:docMk/>
+            <pc:sldMk cId="3241246560" sldId="287"/>
+            <ac:spMk id="7" creationId="{B6BDDA10-5421-5146-A5E4-8AFF74DBD58C}"/>
+          </ac:spMkLst>
+        </pc:spChg>
+        <pc:spChg chg="mod">
+          <ac:chgData name="Samuel Acuna" userId="67db10cf-d3f3-454d-a6f4-7ffae06dac58" providerId="ADAL" clId="{E5CE0262-88A4-E44D-8A59-F4863F76EBF3}" dt="2022-03-07T15:15:11.643" v="80" actId="1076"/>
+          <ac:spMkLst>
+            <pc:docMk/>
+            <pc:sldMk cId="3241246560" sldId="287"/>
+            <ac:spMk id="8" creationId="{116F8FEE-D314-5542-96C0-FAA1D7B5E8DD}"/>
+          </ac:spMkLst>
+        </pc:spChg>
+        <pc:spChg chg="del">
+          <ac:chgData name="Samuel Acuna" userId="67db10cf-d3f3-454d-a6f4-7ffae06dac58" providerId="ADAL" clId="{E5CE0262-88A4-E44D-8A59-F4863F76EBF3}" dt="2022-03-07T15:14:57.251" v="75" actId="478"/>
+          <ac:spMkLst>
+            <pc:docMk/>
+            <pc:sldMk cId="3241246560" sldId="287"/>
+            <ac:spMk id="9" creationId="{9A91D85D-9CBB-424B-B0D6-BE3E535C8789}"/>
+          </ac:spMkLst>
+        </pc:spChg>
+        <pc:spChg chg="del">
+          <ac:chgData name="Samuel Acuna" userId="67db10cf-d3f3-454d-a6f4-7ffae06dac58" providerId="ADAL" clId="{E5CE0262-88A4-E44D-8A59-F4863F76EBF3}" dt="2022-03-07T15:15:06.157" v="78" actId="478"/>
+          <ac:spMkLst>
+            <pc:docMk/>
+            <pc:sldMk cId="3241246560" sldId="287"/>
+            <ac:spMk id="12" creationId="{D992984D-EA03-F046-A636-30101A76766D}"/>
+          </ac:spMkLst>
+        </pc:spChg>
+        <pc:spChg chg="del">
+          <ac:chgData name="Samuel Acuna" userId="67db10cf-d3f3-454d-a6f4-7ffae06dac58" providerId="ADAL" clId="{E5CE0262-88A4-E44D-8A59-F4863F76EBF3}" dt="2022-03-07T15:15:04.198" v="77" actId="478"/>
+          <ac:spMkLst>
+            <pc:docMk/>
+            <pc:sldMk cId="3241246560" sldId="287"/>
+            <ac:spMk id="13" creationId="{E3BD09A0-F57B-A840-AB5F-9D6EF9EA9F8F}"/>
+          </ac:spMkLst>
+        </pc:spChg>
+        <pc:picChg chg="add mod">
+          <ac:chgData name="Samuel Acuna" userId="67db10cf-d3f3-454d-a6f4-7ffae06dac58" providerId="ADAL" clId="{E5CE0262-88A4-E44D-8A59-F4863F76EBF3}" dt="2022-03-07T15:14:52.374" v="73" actId="14100"/>
+          <ac:picMkLst>
+            <pc:docMk/>
+            <pc:sldMk cId="3241246560" sldId="287"/>
+            <ac:picMk id="4" creationId="{1CBD7FB8-6E50-804A-B313-D8FF1739DF6E}"/>
+          </ac:picMkLst>
+        </pc:picChg>
+        <pc:picChg chg="del">
+          <ac:chgData name="Samuel Acuna" userId="67db10cf-d3f3-454d-a6f4-7ffae06dac58" providerId="ADAL" clId="{E5CE0262-88A4-E44D-8A59-F4863F76EBF3}" dt="2022-03-07T15:14:46.475" v="70" actId="478"/>
+          <ac:picMkLst>
+            <pc:docMk/>
+            <pc:sldMk cId="3241246560" sldId="287"/>
+            <ac:picMk id="5" creationId="{7A9D2BA3-F493-E64C-A640-72166A29259D}"/>
+          </ac:picMkLst>
+        </pc:picChg>
+        <pc:picChg chg="add mod">
+          <ac:chgData name="Samuel Acuna" userId="67db10cf-d3f3-454d-a6f4-7ffae06dac58" providerId="ADAL" clId="{E5CE0262-88A4-E44D-8A59-F4863F76EBF3}" dt="2022-03-07T15:15:00.863" v="76" actId="1076"/>
+          <ac:picMkLst>
+            <pc:docMk/>
+            <pc:sldMk cId="3241246560" sldId="287"/>
+            <ac:picMk id="10" creationId="{9391FD94-0591-FA4E-A868-B31721C9C889}"/>
+          </ac:picMkLst>
+        </pc:picChg>
+        <pc:picChg chg="del">
+          <ac:chgData name="Samuel Acuna" userId="67db10cf-d3f3-454d-a6f4-7ffae06dac58" providerId="ADAL" clId="{E5CE0262-88A4-E44D-8A59-F4863F76EBF3}" dt="2022-03-07T15:14:54.272" v="74" actId="478"/>
+          <ac:picMkLst>
+            <pc:docMk/>
+            <pc:sldMk cId="3241246560" sldId="287"/>
+            <ac:picMk id="11" creationId="{96883CF3-8A3D-2241-B35A-EEACC84C1394}"/>
+          </ac:picMkLst>
+        </pc:picChg>
+      </pc:sldChg>
+      <pc:sldChg chg="ord">
+        <pc:chgData name="Samuel Acuna" userId="67db10cf-d3f3-454d-a6f4-7ffae06dac58" providerId="ADAL" clId="{E5CE0262-88A4-E44D-8A59-F4863F76EBF3}" dt="2022-03-07T15:15:25.313" v="81" actId="20578"/>
+        <pc:sldMkLst>
+          <pc:docMk/>
+          <pc:sldMk cId="2441238004" sldId="288"/>
+        </pc:sldMkLst>
+      </pc:sldChg>
+    </pc:docChg>
+  </pc:docChgLst>
+</pc:chgInfo>
+</file>
+
 <file path=ppt/handoutMasters/handoutMaster1.xml><?xml version="1.0" encoding="utf-8"?>
 <p:handoutMaster xmlns:a="http://schemas.openxmlformats.org/drawingml/2006/main" xmlns:r="http://schemas.openxmlformats.org/officeDocument/2006/relationships" xmlns:p="http://schemas.openxmlformats.org/presentationml/2006/main">
   <p:cSld>
@@ -206,7 +352,7 @@
           <a:p>
             <a:fld id="{92ABB2FB-6345-45FF-A90E-A01D6AFF79C4}" type="datetimeFigureOut">
               <a:rPr lang="en-US" smtClean="0"/>
-              <a:t>2/11/19</a:t>
+              <a:t>3/7/22</a:t>
             </a:fld>
             <a:endParaRPr lang="en-US"/>
           </a:p>
@@ -383,7 +529,7 @@
           <a:p>
             <a:fld id="{DCC6978D-169D-4110-A16B-2595AC07B6B0}" type="datetimeFigureOut">
               <a:rPr lang="en-US" smtClean="0"/>
-              <a:t>2/11/19</a:t>
+              <a:t>3/7/22</a:t>
             </a:fld>
             <a:endParaRPr lang="en-US"/>
           </a:p>
@@ -892,7 +1038,7 @@
     </p:spTree>
     <p:extLst>
       <p:ext uri="{BB962C8B-B14F-4D97-AF65-F5344CB8AC3E}">
-        <p14:creationId xmlns:p14="http://schemas.microsoft.com/office/powerpoint/2010/main" val="3029485008"/>
+        <p14:creationId xmlns:p14="http://schemas.microsoft.com/office/powerpoint/2010/main" val="503801231"/>
       </p:ext>
     </p:extLst>
   </p:cSld>
@@ -976,7 +1122,7 @@
     </p:spTree>
     <p:extLst>
       <p:ext uri="{BB962C8B-B14F-4D97-AF65-F5344CB8AC3E}">
-        <p14:creationId xmlns:p14="http://schemas.microsoft.com/office/powerpoint/2010/main" val="503801231"/>
+        <p14:creationId xmlns:p14="http://schemas.microsoft.com/office/powerpoint/2010/main" val="3029485008"/>
       </p:ext>
     </p:extLst>
   </p:cSld>
@@ -5087,7 +5233,7 @@
   <p:clrMapOvr>
     <a:masterClrMapping/>
   </p:clrMapOvr>
-  <p:extLst mod="1">
+  <p:extLst>
     <p:ext uri="{DCECCB84-F9BA-43D5-87BE-67443E8EF086}">
       <p15:sldGuideLst xmlns:p15="http://schemas.microsoft.com/office/powerpoint/2012/main">
         <p15:guide id="1" pos="288">
@@ -6602,14 +6748,14 @@
           </a:ln>
           <a:extLst>
             <a:ext uri="{909E8E84-426E-40dd-AFC4-6F175D3DCCD1}">
-              <a14:hiddenFill xmlns="" xmlns:a14="http://schemas.microsoft.com/office/drawing/2010/main">
+              <a14:hiddenFill xmlns:a14="http://schemas.microsoft.com/office/drawing/2010/main" xmlns="">
                 <a:solidFill>
                   <a:srgbClr val="FFFFFF"/>
                 </a:solidFill>
               </a14:hiddenFill>
             </a:ext>
             <a:ext uri="{91240B29-F687-4f45-9708-019B960494DF}">
-              <a14:hiddenLine xmlns="" xmlns:a14="http://schemas.microsoft.com/office/drawing/2010/main" w="9525">
+              <a14:hiddenLine xmlns:a14="http://schemas.microsoft.com/office/drawing/2010/main" xmlns="" w="9525">
                 <a:solidFill>
                   <a:srgbClr val="000000"/>
                 </a:solidFill>
@@ -7704,7 +7850,7 @@
   <p:clrMapOvr>
     <a:masterClrMapping/>
   </p:clrMapOvr>
-  <p:extLst mod="1">
+  <p:extLst>
     <p:ext uri="{DCECCB84-F9BA-43D5-87BE-67443E8EF086}">
       <p15:sldGuideLst xmlns:p15="http://schemas.microsoft.com/office/powerpoint/2012/main">
         <p15:guide id="1" pos="288">
@@ -9212,14 +9358,14 @@
           </a:ln>
           <a:extLst>
             <a:ext uri="{909E8E84-426E-40dd-AFC4-6F175D3DCCD1}">
-              <a14:hiddenFill xmlns="" xmlns:a14="http://schemas.microsoft.com/office/drawing/2010/main">
+              <a14:hiddenFill xmlns:a14="http://schemas.microsoft.com/office/drawing/2010/main" xmlns="">
                 <a:solidFill>
                   <a:srgbClr val="FFFFFF"/>
                 </a:solidFill>
               </a14:hiddenFill>
             </a:ext>
             <a:ext uri="{91240B29-F687-4f45-9708-019B960494DF}">
-              <a14:hiddenLine xmlns="" xmlns:a14="http://schemas.microsoft.com/office/drawing/2010/main" w="9525">
+              <a14:hiddenLine xmlns:a14="http://schemas.microsoft.com/office/drawing/2010/main" xmlns="" w="9525">
                 <a:solidFill>
                   <a:srgbClr val="000000"/>
                 </a:solidFill>
@@ -11587,7 +11733,7 @@
       </a:lvl9pPr>
     </p:otherStyle>
   </p:txStyles>
-  <p:extLst mod="1">
+  <p:extLst>
     <p:ext uri="{27BBF7A9-308A-43DC-89C8-2F10F3537804}">
       <p15:sldGuideLst xmlns:p15="http://schemas.microsoft.com/office/powerpoint/2012/main">
         <p15:guide id="1" pos="288">
@@ -12135,7 +12281,7 @@
       </a:lvl9pPr>
     </p:otherStyle>
   </p:txStyles>
-  <p:extLst mod="1">
+  <p:extLst>
     <p:ext uri="{27BBF7A9-308A-43DC-89C8-2F10F3537804}">
       <p15:sldGuideLst xmlns:p15="http://schemas.microsoft.com/office/powerpoint/2012/main">
         <p15:guide id="1" pos="288">
@@ -12518,10 +12664,15 @@
                 <a:latin typeface="Arial" panose="020B0604020202020204" pitchFamily="34" charset="0"/>
                 <a:cs typeface="Arial" panose="020B0604020202020204" pitchFamily="34" charset="0"/>
               </a:rPr>
-              <a:t>Created by: Samuel </a:t>
-            </a:r>
-            <a:r>
-              <a:rPr kumimoji="0" lang="en-US" sz="1600" b="0" i="0" u="none" strike="noStrike" kern="1200" cap="none" spc="0" normalizeH="0" baseline="0" noProof="0" dirty="0" err="1">
+              <a:t>Created by: Samuel Acuña, Ph.D.</a:t>
+            </a:r>
+          </a:p>
+          <a:p>
+            <a:pPr lvl="0" algn="l">
+              <a:defRPr/>
+            </a:pPr>
+            <a:r>
+              <a:rPr kumimoji="0" lang="en-US" sz="1600" b="0" i="0" u="none" strike="noStrike" kern="1200" cap="none" spc="0" normalizeH="0" baseline="0" noProof="0" dirty="0">
                 <a:ln>
                   <a:noFill/>
                 </a:ln>
@@ -12534,63 +12685,15 @@
                 <a:latin typeface="Arial" panose="020B0604020202020204" pitchFamily="34" charset="0"/>
                 <a:cs typeface="Arial" panose="020B0604020202020204" pitchFamily="34" charset="0"/>
               </a:rPr>
-              <a:t>Acuña</a:t>
-            </a:r>
-            <a:endParaRPr kumimoji="0" lang="en-US" sz="1600" b="0" i="0" u="none" strike="noStrike" kern="1200" cap="none" spc="0" normalizeH="0" baseline="0" noProof="0" dirty="0">
-              <a:ln>
-                <a:noFill/>
-              </a:ln>
-              <a:solidFill>
-                <a:srgbClr val="00B0F0"/>
-              </a:solidFill>
-              <a:effectLst/>
-              <a:uLnTx/>
-              <a:uFillTx/>
-              <a:latin typeface="Arial" panose="020B0604020202020204" pitchFamily="34" charset="0"/>
-              <a:cs typeface="Arial" panose="020B0604020202020204" pitchFamily="34" charset="0"/>
-            </a:endParaRPr>
-          </a:p>
-          <a:p>
-            <a:pPr marL="0" marR="0" lvl="0" indent="0" algn="l" defTabSz="914400" rtl="0" eaLnBrk="1" fontAlgn="auto" latinLnBrk="0" hangingPunct="1">
-              <a:lnSpc>
-                <a:spcPct val="90000"/>
-              </a:lnSpc>
-              <a:spcBef>
-                <a:spcPts val="1000"/>
-              </a:spcBef>
-              <a:spcAft>
-                <a:spcPts val="0"/>
-              </a:spcAft>
-              <a:buClrTx/>
-              <a:buSzTx/>
-              <a:buFont typeface="Arial" panose="020B0604020202020204" pitchFamily="34" charset="0"/>
-              <a:buNone/>
-              <a:tabLst/>
-              <a:defRPr/>
-            </a:pPr>
-            <a:r>
-              <a:rPr kumimoji="0" lang="en-US" sz="1600" b="0" i="0" u="none" strike="noStrike" kern="1200" cap="none" spc="0" normalizeH="0" baseline="0" noProof="0" dirty="0">
-                <a:ln>
-                  <a:noFill/>
-                </a:ln>
+              <a:t>Date Created: </a:t>
+            </a:r>
+            <a:r>
+              <a:rPr lang="en-US" sz="1600" dirty="0">
                 <a:solidFill>
                   <a:srgbClr val="00B0F0"/>
                 </a:solidFill>
-                <a:effectLst/>
-                <a:uLnTx/>
-                <a:uFillTx/>
-                <a:latin typeface="Arial" panose="020B0604020202020204" pitchFamily="34" charset="0"/>
-                <a:cs typeface="Arial" panose="020B0604020202020204" pitchFamily="34" charset="0"/>
               </a:rPr>
-              <a:t>Date created: </a:t>
-            </a:r>
-            <a:r>
-              <a:rPr lang="en-US" sz="1600" dirty="0">
-                <a:solidFill>
-                  <a:srgbClr val="00B0F0"/>
-                </a:solidFill>
-              </a:rPr>
-              <a:t>23 Jan 2019</a:t>
+              <a:t>23 Jan 2019 	Date Updated: 07 Mar 2022 </a:t>
             </a:r>
             <a:endParaRPr kumimoji="0" lang="en-US" sz="1600" b="0" i="0" u="none" strike="noStrike" kern="1200" cap="none" spc="0" normalizeH="0" baseline="0" noProof="0" dirty="0">
               <a:ln>
@@ -12847,7 +12950,7 @@
         <p:spPr>
           <a:xfrm>
             <a:off x="2302314" y="3742901"/>
-            <a:ext cx="7587371" cy="369332"/>
+            <a:ext cx="7587371" cy="646331"/>
           </a:xfrm>
           <a:prstGeom prst="rect">
             <a:avLst/>
@@ -12866,27 +12969,15 @@
             </a:r>
             <a:r>
               <a:rPr lang="en-US" dirty="0">
-                <a:solidFill>
-                  <a:srgbClr val="00B0F0"/>
-                </a:solidFill>
-                <a:hlinkClick r:id="rId2">
-                  <a:extLst>
-                    <a:ext uri="{A12FA001-AC4F-418D-AE19-62706E023703}">
-                      <ahyp:hlinkClr xmlns:ahyp="http://schemas.microsoft.com/office/drawing/2018/hyperlinkcolor" val="tx"/>
-                    </a:ext>
-                  </a:extLst>
-                </a:hlinkClick>
+                <a:hlinkClick r:id="rId2"/>
               </a:rPr>
-              <a:t>https://github.com/saacuna/tutorial_makingFigures</a:t>
-            </a:r>
-            <a:r>
-              <a:rPr lang="en-US" dirty="0">
-                <a:solidFill>
-                  <a:srgbClr val="00B0F0"/>
-                </a:solidFill>
-              </a:rPr>
-              <a:t> </a:t>
-            </a:r>
+              <a:t>https://github.com/SamuelAcunaPhD/tutorial_makingFigures</a:t>
+            </a:r>
+            <a:endParaRPr lang="en-US" dirty="0">
+              <a:solidFill>
+                <a:srgbClr val="00B0F0"/>
+              </a:solidFill>
+            </a:endParaRPr>
           </a:p>
         </p:txBody>
       </p:sp>
@@ -20033,7 +20124,7 @@
         <p:spPr>
           <a:xfrm>
             <a:off x="492028" y="4968559"/>
-            <a:ext cx="4232249" cy="738664"/>
+            <a:ext cx="5020926" cy="738664"/>
           </a:xfrm>
           <a:prstGeom prst="rect">
             <a:avLst/>
@@ -20054,27 +20145,11 @@
           <a:p>
             <a:r>
               <a:rPr lang="en-US" sz="1400" dirty="0">
-                <a:solidFill>
-                  <a:srgbClr val="00B0F0"/>
-                </a:solidFill>
-                <a:hlinkClick r:id="rId2">
-                  <a:extLst>
-                    <a:ext uri="{A12FA001-AC4F-418D-AE19-62706E023703}">
-                      <ahyp:hlinkClr xmlns:ahyp="http://schemas.microsoft.com/office/drawing/2018/hyperlinkcolor" val="tx"/>
-                    </a:ext>
-                  </a:extLst>
-                </a:hlinkClick>
+                <a:hlinkClick r:id="rId2"/>
               </a:rPr>
-              <a:t>https://github.com/saacuna/tutorial_makingFigures</a:t>
-            </a:r>
-            <a:r>
-              <a:rPr lang="en-US" sz="1400" dirty="0">
-                <a:solidFill>
-                  <a:srgbClr val="00B0F0"/>
-                </a:solidFill>
-              </a:rPr>
-              <a:t> </a:t>
-            </a:r>
+              <a:t>https://github.com/SamuelAcunaPhD/tutorial_makingFigures </a:t>
+            </a:r>
+            <a:endParaRPr lang="en-US" sz="1400" dirty="0"/>
           </a:p>
           <a:p>
             <a:r>
@@ -23731,12 +23806,128 @@
           </a:p>
         </p:txBody>
       </p:sp>
+      <p:sp>
+        <p:nvSpPr>
+          <p:cNvPr id="7" name="TextBox 6">
+            <a:extLst>
+              <a:ext uri="{FF2B5EF4-FFF2-40B4-BE49-F238E27FC236}">
+                <a16:creationId xmlns:a16="http://schemas.microsoft.com/office/drawing/2014/main" id="{B6BDDA10-5421-5146-A5E4-8AFF74DBD58C}"/>
+              </a:ext>
+            </a:extLst>
+          </p:cNvPr>
+          <p:cNvSpPr txBox="1"/>
+          <p:nvPr/>
+        </p:nvSpPr>
+        <p:spPr>
+          <a:xfrm>
+            <a:off x="605576" y="1688363"/>
+            <a:ext cx="2044149" cy="369332"/>
+          </a:xfrm>
+          <a:prstGeom prst="rect">
+            <a:avLst/>
+          </a:prstGeom>
+          <a:noFill/>
+        </p:spPr>
+        <p:txBody>
+          <a:bodyPr wrap="none" rtlCol="0">
+            <a:spAutoFit/>
+          </a:bodyPr>
+          <a:lstStyle/>
+          <a:p>
+            <a:pPr algn="ctr"/>
+            <a:r>
+              <a:rPr lang="en-US" b="1" dirty="0"/>
+              <a:t>Before Illustrator</a:t>
+            </a:r>
+          </a:p>
+        </p:txBody>
+      </p:sp>
+      <p:sp>
+        <p:nvSpPr>
+          <p:cNvPr id="8" name="TextBox 7">
+            <a:extLst>
+              <a:ext uri="{FF2B5EF4-FFF2-40B4-BE49-F238E27FC236}">
+                <a16:creationId xmlns:a16="http://schemas.microsoft.com/office/drawing/2014/main" id="{116F8FEE-D314-5542-96C0-FAA1D7B5E8DD}"/>
+              </a:ext>
+            </a:extLst>
+          </p:cNvPr>
+          <p:cNvSpPr txBox="1"/>
+          <p:nvPr/>
+        </p:nvSpPr>
+        <p:spPr>
+          <a:xfrm>
+            <a:off x="701757" y="4797654"/>
+            <a:ext cx="1851789" cy="369332"/>
+          </a:xfrm>
+          <a:prstGeom prst="rect">
+            <a:avLst/>
+          </a:prstGeom>
+          <a:noFill/>
+        </p:spPr>
+        <p:txBody>
+          <a:bodyPr wrap="none" rtlCol="0">
+            <a:spAutoFit/>
+          </a:bodyPr>
+          <a:lstStyle/>
+          <a:p>
+            <a:pPr algn="ctr"/>
+            <a:r>
+              <a:rPr lang="en-US" b="1" dirty="0"/>
+              <a:t>After Illustrator</a:t>
+            </a:r>
+          </a:p>
+        </p:txBody>
+      </p:sp>
+      <p:sp>
+        <p:nvSpPr>
+          <p:cNvPr id="9" name="TextBox 8">
+            <a:extLst>
+              <a:ext uri="{FF2B5EF4-FFF2-40B4-BE49-F238E27FC236}">
+                <a16:creationId xmlns:a16="http://schemas.microsoft.com/office/drawing/2014/main" id="{9A91D85D-9CBB-424B-B0D6-BE3E535C8789}"/>
+              </a:ext>
+            </a:extLst>
+          </p:cNvPr>
+          <p:cNvSpPr txBox="1"/>
+          <p:nvPr/>
+        </p:nvSpPr>
+        <p:spPr>
+          <a:xfrm>
+            <a:off x="8855097" y="6604084"/>
+            <a:ext cx="2590774" cy="253916"/>
+          </a:xfrm>
+          <a:prstGeom prst="rect">
+            <a:avLst/>
+          </a:prstGeom>
+          <a:noFill/>
+        </p:spPr>
+        <p:txBody>
+          <a:bodyPr wrap="none" rtlCol="0">
+            <a:spAutoFit/>
+          </a:bodyPr>
+          <a:lstStyle/>
+          <a:p>
+            <a:r>
+              <a:rPr lang="en-US" sz="1050" dirty="0"/>
+              <a:t>(In review) Acuña, 2019, </a:t>
+            </a:r>
+            <a:r>
+              <a:rPr lang="en-US" sz="1050" i="1" dirty="0"/>
+              <a:t>Hum Move Sci</a:t>
+            </a:r>
+            <a:endParaRPr lang="en-US" sz="1050" i="1" dirty="0">
+              <a:solidFill>
+                <a:schemeClr val="tx2"/>
+              </a:solidFill>
+            </a:endParaRPr>
+          </a:p>
+        </p:txBody>
+      </p:sp>
       <p:pic>
         <p:nvPicPr>
-          <p:cNvPr id="5" name="Picture 4">
+          <p:cNvPr id="4" name="Picture 3">
             <a:extLst>
               <a:ext uri="{FF2B5EF4-FFF2-40B4-BE49-F238E27FC236}">
-                <a16:creationId xmlns:a16="http://schemas.microsoft.com/office/drawing/2014/main" id="{7A9D2BA3-F493-E64C-A640-72166A29259D}"/>
+                <a16:creationId xmlns:a16="http://schemas.microsoft.com/office/drawing/2014/main" id="{73C6F326-37E0-5B4A-9D29-34347C27A663}"/>
               </a:ext>
             </a:extLst>
           </p:cNvPr>
@@ -23745,103 +23936,123 @@
           </p:cNvPicPr>
           <p:nvPr/>
         </p:nvPicPr>
-        <p:blipFill rotWithShape="1">
-          <a:blip r:embed="rId3" cstate="screen">
+        <p:blipFill>
+          <a:blip r:embed="rId3">
             <a:extLst>
               <a:ext uri="{28A0092B-C50C-407E-A947-70E740481C1C}">
                 <a14:useLocalDpi xmlns:a14="http://schemas.microsoft.com/office/drawing/2010/main"/>
               </a:ext>
             </a:extLst>
           </a:blip>
-          <a:srcRect t="39177" b="6904"/>
-          <a:stretch/>
+          <a:stretch>
+            <a:fillRect/>
+          </a:stretch>
         </p:blipFill>
         <p:spPr>
           <a:xfrm>
-            <a:off x="459741" y="0"/>
-            <a:ext cx="4024214" cy="6027338"/>
+            <a:off x="3352952" y="528213"/>
+            <a:ext cx="7794560" cy="2787978"/>
+          </a:xfrm>
+          <a:prstGeom prst="rect">
+            <a:avLst/>
+          </a:prstGeom>
+          <a:ln>
+            <a:noFill/>
+          </a:ln>
+        </p:spPr>
+      </p:pic>
+      <p:pic>
+        <p:nvPicPr>
+          <p:cNvPr id="10" name="Picture 9">
+            <a:extLst>
+              <a:ext uri="{FF2B5EF4-FFF2-40B4-BE49-F238E27FC236}">
+                <a16:creationId xmlns:a16="http://schemas.microsoft.com/office/drawing/2014/main" id="{06C46EB5-0EFA-5D44-B871-6B931EDA325F}"/>
+              </a:ext>
+            </a:extLst>
+          </p:cNvPr>
+          <p:cNvPicPr>
+            <a:picLocks noChangeAspect="1"/>
+          </p:cNvPicPr>
+          <p:nvPr/>
+        </p:nvPicPr>
+        <p:blipFill>
+          <a:blip r:embed="rId4">
+            <a:extLst>
+              <a:ext uri="{28A0092B-C50C-407E-A947-70E740481C1C}">
+                <a14:useLocalDpi xmlns:a14="http://schemas.microsoft.com/office/drawing/2010/main"/>
+              </a:ext>
+            </a:extLst>
+          </a:blip>
+          <a:stretch>
+            <a:fillRect/>
+          </a:stretch>
+        </p:blipFill>
+        <p:spPr>
+          <a:xfrm>
+            <a:off x="3908120" y="3959955"/>
+            <a:ext cx="7064680" cy="2414061"/>
           </a:xfrm>
           <a:prstGeom prst="rect">
             <a:avLst/>
           </a:prstGeom>
         </p:spPr>
       </p:pic>
-      <p:pic>
-        <p:nvPicPr>
-          <p:cNvPr id="11" name="Picture 10">
+    </p:spTree>
+    <p:extLst>
+      <p:ext uri="{BB962C8B-B14F-4D97-AF65-F5344CB8AC3E}">
+        <p14:creationId xmlns:p14="http://schemas.microsoft.com/office/powerpoint/2010/main" val="2441238004"/>
+      </p:ext>
+    </p:extLst>
+  </p:cSld>
+  <p:clrMapOvr>
+    <a:masterClrMapping/>
+  </p:clrMapOvr>
+</p:sld>
+</file>
+
+<file path=ppt/slides/slide7.xml><?xml version="1.0" encoding="utf-8"?>
+<p:sld xmlns:a="http://schemas.openxmlformats.org/drawingml/2006/main" xmlns:r="http://schemas.openxmlformats.org/officeDocument/2006/relationships" xmlns:p="http://schemas.openxmlformats.org/presentationml/2006/main">
+  <p:cSld>
+    <p:spTree>
+      <p:nvGrpSpPr>
+        <p:cNvPr id="1" name=""/>
+        <p:cNvGrpSpPr/>
+        <p:nvPr/>
+      </p:nvGrpSpPr>
+      <p:grpSpPr>
+        <a:xfrm>
+          <a:off x="0" y="0"/>
+          <a:ext cx="0" cy="0"/>
+          <a:chOff x="0" y="0"/>
+          <a:chExt cx="0" cy="0"/>
+        </a:xfrm>
+      </p:grpSpPr>
+      <p:sp>
+        <p:nvSpPr>
+          <p:cNvPr id="2" name="Slide Number Placeholder 1">
             <a:extLst>
               <a:ext uri="{FF2B5EF4-FFF2-40B4-BE49-F238E27FC236}">
-                <a16:creationId xmlns:a16="http://schemas.microsoft.com/office/drawing/2014/main" id="{96883CF3-8A3D-2241-B35A-EEACC84C1394}"/>
+                <a16:creationId xmlns:a16="http://schemas.microsoft.com/office/drawing/2014/main" id="{756407D0-927D-DD49-A860-083E96C98D35}"/>
               </a:ext>
             </a:extLst>
           </p:cNvPr>
-          <p:cNvPicPr>
-            <a:picLocks noChangeAspect="1"/>
-          </p:cNvPicPr>
-          <p:nvPr/>
-        </p:nvPicPr>
-        <p:blipFill rotWithShape="1">
-          <a:blip r:embed="rId4" cstate="screen">
-            <a:extLst>
-              <a:ext uri="{28A0092B-C50C-407E-A947-70E740481C1C}">
-                <a14:useLocalDpi xmlns:a14="http://schemas.microsoft.com/office/drawing/2010/main"/>
-              </a:ext>
-            </a:extLst>
-          </a:blip>
-          <a:srcRect t="39660"/>
-          <a:stretch/>
-        </p:blipFill>
-        <p:spPr>
-          <a:xfrm>
-            <a:off x="7520250" y="0"/>
-            <a:ext cx="4024215" cy="6732829"/>
-          </a:xfrm>
-          <a:prstGeom prst="rect">
-            <a:avLst/>
-          </a:prstGeom>
-        </p:spPr>
-      </p:pic>
-      <p:sp>
-        <p:nvSpPr>
-          <p:cNvPr id="9" name="TextBox 8">
-            <a:extLst>
-              <a:ext uri="{FF2B5EF4-FFF2-40B4-BE49-F238E27FC236}">
-                <a16:creationId xmlns:a16="http://schemas.microsoft.com/office/drawing/2014/main" id="{9A91D85D-9CBB-424B-B0D6-BE3E535C8789}"/>
-              </a:ext>
-            </a:extLst>
-          </p:cNvPr>
-          <p:cNvSpPr txBox="1"/>
-          <p:nvPr/>
-        </p:nvSpPr>
-        <p:spPr>
-          <a:xfrm>
-            <a:off x="9306034" y="6604084"/>
-            <a:ext cx="1996059" cy="253916"/>
-          </a:xfrm>
-          <a:prstGeom prst="rect">
-            <a:avLst/>
-          </a:prstGeom>
-          <a:noFill/>
-        </p:spPr>
-        <p:txBody>
-          <a:bodyPr wrap="none" rtlCol="0">
-            <a:spAutoFit/>
-          </a:bodyPr>
+          <p:cNvSpPr>
+            <a:spLocks noGrp="1"/>
+          </p:cNvSpPr>
+          <p:nvPr>
+            <p:ph type="sldNum" sz="quarter" idx="10"/>
+          </p:nvPr>
+        </p:nvSpPr>
+        <p:spPr/>
+        <p:txBody>
+          <a:bodyPr/>
           <a:lstStyle/>
           <a:p>
-            <a:r>
-              <a:rPr lang="en-US" sz="1050" dirty="0"/>
-              <a:t>Acuña, 2018, </a:t>
-            </a:r>
-            <a:r>
-              <a:rPr lang="en-US" sz="1050" i="1" dirty="0"/>
-              <a:t>J Gait &amp; Posture</a:t>
-            </a:r>
-            <a:endParaRPr lang="en-US" sz="1050" i="1" dirty="0">
-              <a:solidFill>
-                <a:schemeClr val="tx2"/>
-              </a:solidFill>
-            </a:endParaRPr>
+            <a:fld id="{E62A57C8-5936-4048-93E2-2CC94939D132}" type="slidenum">
+              <a:rPr lang="en-US" smtClean="0"/>
+              <a:t>7</a:t>
+            </a:fld>
+            <a:endParaRPr lang="en-US"/>
           </a:p>
         </p:txBody>
       </p:sp>
@@ -23859,10 +24070,10 @@
         </p:nvGrpSpPr>
         <p:grpSpPr>
           <a:xfrm>
-            <a:off x="4410033" y="602345"/>
-            <a:ext cx="2867844" cy="1135945"/>
-            <a:chOff x="4652406" y="1291276"/>
-            <a:chExt cx="2867844" cy="1135945"/>
+            <a:off x="1919376" y="311017"/>
+            <a:ext cx="8160890" cy="553998"/>
+            <a:chOff x="2161749" y="999948"/>
+            <a:chExt cx="8160890" cy="553998"/>
           </a:xfrm>
         </p:grpSpPr>
         <p:sp>
@@ -23879,7 +24090,7 @@
           </p:nvSpPr>
           <p:spPr>
             <a:xfrm>
-              <a:off x="5145385" y="1350868"/>
+              <a:off x="2161749" y="1184614"/>
               <a:ext cx="2044149" cy="369332"/>
             </a:xfrm>
             <a:prstGeom prst="rect">
@@ -23914,7 +24125,7 @@
           </p:nvSpPr>
           <p:spPr>
             <a:xfrm>
-              <a:off x="5152333" y="1998298"/>
+              <a:off x="8470850" y="999948"/>
               <a:ext cx="1851789" cy="369332"/>
             </a:xfrm>
             <a:prstGeom prst="rect">
@@ -23936,286 +24147,13 @@
             </a:p>
           </p:txBody>
         </p:sp>
-        <p:sp>
-          <p:nvSpPr>
-            <p:cNvPr id="12" name="Right Arrow 11">
-              <a:extLst>
-                <a:ext uri="{FF2B5EF4-FFF2-40B4-BE49-F238E27FC236}">
-                  <a16:creationId xmlns:a16="http://schemas.microsoft.com/office/drawing/2014/main" id="{D992984D-EA03-F046-A636-30101A76766D}"/>
-                </a:ext>
-              </a:extLst>
-            </p:cNvPr>
-            <p:cNvSpPr/>
-            <p:nvPr/>
-          </p:nvSpPr>
-          <p:spPr>
-            <a:xfrm>
-              <a:off x="7026538" y="1938706"/>
-              <a:ext cx="493712" cy="488515"/>
-            </a:xfrm>
-            <a:prstGeom prst="rightArrow">
-              <a:avLst/>
-            </a:prstGeom>
-            <a:ln>
-              <a:noFill/>
-            </a:ln>
-          </p:spPr>
-          <p:style>
-            <a:lnRef idx="2">
-              <a:schemeClr val="accent1">
-                <a:shade val="50000"/>
-              </a:schemeClr>
-            </a:lnRef>
-            <a:fillRef idx="1">
-              <a:schemeClr val="accent1"/>
-            </a:fillRef>
-            <a:effectRef idx="0">
-              <a:schemeClr val="accent1"/>
-            </a:effectRef>
-            <a:fontRef idx="minor">
-              <a:schemeClr val="lt1"/>
-            </a:fontRef>
-          </p:style>
-          <p:txBody>
-            <a:bodyPr rtlCol="0" anchor="ctr"/>
-            <a:lstStyle/>
-            <a:p>
-              <a:pPr algn="ctr"/>
-              <a:endParaRPr lang="en-US"/>
-            </a:p>
-          </p:txBody>
-        </p:sp>
-        <p:sp>
-          <p:nvSpPr>
-            <p:cNvPr id="13" name="Right Arrow 12">
-              <a:extLst>
-                <a:ext uri="{FF2B5EF4-FFF2-40B4-BE49-F238E27FC236}">
-                  <a16:creationId xmlns:a16="http://schemas.microsoft.com/office/drawing/2014/main" id="{E3BD09A0-F57B-A840-AB5F-9D6EF9EA9F8F}"/>
-                </a:ext>
-              </a:extLst>
-            </p:cNvPr>
-            <p:cNvSpPr/>
-            <p:nvPr/>
-          </p:nvSpPr>
-          <p:spPr>
-            <a:xfrm rot="10800000">
-              <a:off x="4652406" y="1291276"/>
-              <a:ext cx="493712" cy="488515"/>
-            </a:xfrm>
-            <a:prstGeom prst="rightArrow">
-              <a:avLst/>
-            </a:prstGeom>
-            <a:ln>
-              <a:noFill/>
-            </a:ln>
-          </p:spPr>
-          <p:style>
-            <a:lnRef idx="2">
-              <a:schemeClr val="accent1">
-                <a:shade val="50000"/>
-              </a:schemeClr>
-            </a:lnRef>
-            <a:fillRef idx="1">
-              <a:schemeClr val="accent1"/>
-            </a:fillRef>
-            <a:effectRef idx="0">
-              <a:schemeClr val="accent1"/>
-            </a:effectRef>
-            <a:fontRef idx="minor">
-              <a:schemeClr val="lt1"/>
-            </a:fontRef>
-          </p:style>
-          <p:txBody>
-            <a:bodyPr rtlCol="0" anchor="ctr"/>
-            <a:lstStyle/>
-            <a:p>
-              <a:pPr algn="ctr"/>
-              <a:endParaRPr lang="en-US"/>
-            </a:p>
-          </p:txBody>
-        </p:sp>
       </p:grpSp>
-    </p:spTree>
-    <p:extLst>
-      <p:ext uri="{BB962C8B-B14F-4D97-AF65-F5344CB8AC3E}">
-        <p14:creationId xmlns:p14="http://schemas.microsoft.com/office/powerpoint/2010/main" val="3241246560"/>
-      </p:ext>
-    </p:extLst>
-  </p:cSld>
-  <p:clrMapOvr>
-    <a:masterClrMapping/>
-  </p:clrMapOvr>
-</p:sld>
-</file>
-
-<file path=ppt/slides/slide7.xml><?xml version="1.0" encoding="utf-8"?>
-<p:sld xmlns:a="http://schemas.openxmlformats.org/drawingml/2006/main" xmlns:r="http://schemas.openxmlformats.org/officeDocument/2006/relationships" xmlns:p="http://schemas.openxmlformats.org/presentationml/2006/main">
-  <p:cSld>
-    <p:spTree>
-      <p:nvGrpSpPr>
-        <p:cNvPr id="1" name=""/>
-        <p:cNvGrpSpPr/>
-        <p:nvPr/>
-      </p:nvGrpSpPr>
-      <p:grpSpPr>
-        <a:xfrm>
-          <a:off x="0" y="0"/>
-          <a:ext cx="0" cy="0"/>
-          <a:chOff x="0" y="0"/>
-          <a:chExt cx="0" cy="0"/>
-        </a:xfrm>
-      </p:grpSpPr>
-      <p:sp>
-        <p:nvSpPr>
-          <p:cNvPr id="2" name="Slide Number Placeholder 1">
-            <a:extLst>
-              <a:ext uri="{FF2B5EF4-FFF2-40B4-BE49-F238E27FC236}">
-                <a16:creationId xmlns:a16="http://schemas.microsoft.com/office/drawing/2014/main" id="{756407D0-927D-DD49-A860-083E96C98D35}"/>
-              </a:ext>
-            </a:extLst>
-          </p:cNvPr>
-          <p:cNvSpPr>
-            <a:spLocks noGrp="1"/>
-          </p:cNvSpPr>
-          <p:nvPr>
-            <p:ph type="sldNum" sz="quarter" idx="10"/>
-          </p:nvPr>
-        </p:nvSpPr>
-        <p:spPr/>
-        <p:txBody>
-          <a:bodyPr/>
-          <a:lstStyle/>
-          <a:p>
-            <a:fld id="{E62A57C8-5936-4048-93E2-2CC94939D132}" type="slidenum">
-              <a:rPr lang="en-US" smtClean="0"/>
-              <a:t>7</a:t>
-            </a:fld>
-            <a:endParaRPr lang="en-US"/>
-          </a:p>
-        </p:txBody>
-      </p:sp>
-      <p:sp>
-        <p:nvSpPr>
-          <p:cNvPr id="7" name="TextBox 6">
-            <a:extLst>
-              <a:ext uri="{FF2B5EF4-FFF2-40B4-BE49-F238E27FC236}">
-                <a16:creationId xmlns:a16="http://schemas.microsoft.com/office/drawing/2014/main" id="{B6BDDA10-5421-5146-A5E4-8AFF74DBD58C}"/>
-              </a:ext>
-            </a:extLst>
-          </p:cNvPr>
-          <p:cNvSpPr txBox="1"/>
-          <p:nvPr/>
-        </p:nvSpPr>
-        <p:spPr>
-          <a:xfrm>
-            <a:off x="605576" y="1688363"/>
-            <a:ext cx="2044149" cy="369332"/>
-          </a:xfrm>
-          <a:prstGeom prst="rect">
-            <a:avLst/>
-          </a:prstGeom>
-          <a:noFill/>
-        </p:spPr>
-        <p:txBody>
-          <a:bodyPr wrap="none" rtlCol="0">
-            <a:spAutoFit/>
-          </a:bodyPr>
-          <a:lstStyle/>
-          <a:p>
-            <a:pPr algn="ctr"/>
-            <a:r>
-              <a:rPr lang="en-US" b="1" dirty="0"/>
-              <a:t>Before Illustrator</a:t>
-            </a:r>
-          </a:p>
-        </p:txBody>
-      </p:sp>
-      <p:sp>
-        <p:nvSpPr>
-          <p:cNvPr id="8" name="TextBox 7">
-            <a:extLst>
-              <a:ext uri="{FF2B5EF4-FFF2-40B4-BE49-F238E27FC236}">
-                <a16:creationId xmlns:a16="http://schemas.microsoft.com/office/drawing/2014/main" id="{116F8FEE-D314-5542-96C0-FAA1D7B5E8DD}"/>
-              </a:ext>
-            </a:extLst>
-          </p:cNvPr>
-          <p:cNvSpPr txBox="1"/>
-          <p:nvPr/>
-        </p:nvSpPr>
-        <p:spPr>
-          <a:xfrm>
-            <a:off x="701757" y="4797654"/>
-            <a:ext cx="1851789" cy="369332"/>
-          </a:xfrm>
-          <a:prstGeom prst="rect">
-            <a:avLst/>
-          </a:prstGeom>
-          <a:noFill/>
-        </p:spPr>
-        <p:txBody>
-          <a:bodyPr wrap="none" rtlCol="0">
-            <a:spAutoFit/>
-          </a:bodyPr>
-          <a:lstStyle/>
-          <a:p>
-            <a:pPr algn="ctr"/>
-            <a:r>
-              <a:rPr lang="en-US" b="1" dirty="0"/>
-              <a:t>After Illustrator</a:t>
-            </a:r>
-          </a:p>
-        </p:txBody>
-      </p:sp>
-      <p:sp>
-        <p:nvSpPr>
-          <p:cNvPr id="9" name="TextBox 8">
-            <a:extLst>
-              <a:ext uri="{FF2B5EF4-FFF2-40B4-BE49-F238E27FC236}">
-                <a16:creationId xmlns:a16="http://schemas.microsoft.com/office/drawing/2014/main" id="{9A91D85D-9CBB-424B-B0D6-BE3E535C8789}"/>
-              </a:ext>
-            </a:extLst>
-          </p:cNvPr>
-          <p:cNvSpPr txBox="1"/>
-          <p:nvPr/>
-        </p:nvSpPr>
-        <p:spPr>
-          <a:xfrm>
-            <a:off x="8855097" y="6604084"/>
-            <a:ext cx="2590774" cy="253916"/>
-          </a:xfrm>
-          <a:prstGeom prst="rect">
-            <a:avLst/>
-          </a:prstGeom>
-          <a:noFill/>
-        </p:spPr>
-        <p:txBody>
-          <a:bodyPr wrap="none" rtlCol="0">
-            <a:spAutoFit/>
-          </a:bodyPr>
-          <a:lstStyle/>
-          <a:p>
-            <a:r>
-              <a:rPr lang="en-US" sz="1050" dirty="0"/>
-              <a:t>(In review) Acuña, 2019, </a:t>
-            </a:r>
-            <a:r>
-              <a:rPr lang="en-US" sz="1050" i="1" dirty="0"/>
-              <a:t>Hum Move Sci</a:t>
-            </a:r>
-            <a:endParaRPr lang="en-US" sz="1050" i="1" dirty="0">
-              <a:solidFill>
-                <a:schemeClr val="tx2"/>
-              </a:solidFill>
-            </a:endParaRPr>
-          </a:p>
-        </p:txBody>
-      </p:sp>
       <p:pic>
         <p:nvPicPr>
           <p:cNvPr id="4" name="Picture 3">
             <a:extLst>
               <a:ext uri="{FF2B5EF4-FFF2-40B4-BE49-F238E27FC236}">
-                <a16:creationId xmlns:a16="http://schemas.microsoft.com/office/drawing/2014/main" id="{73C6F326-37E0-5B4A-9D29-34347C27A663}"/>
+                <a16:creationId xmlns:a16="http://schemas.microsoft.com/office/drawing/2014/main" id="{1CBD7FB8-6E50-804A-B313-D8FF1739DF6E}"/>
               </a:ext>
             </a:extLst>
           </p:cNvPr>
@@ -24228,7 +24166,7 @@
           <a:blip r:embed="rId3">
             <a:extLst>
               <a:ext uri="{28A0092B-C50C-407E-A947-70E740481C1C}">
-                <a14:useLocalDpi xmlns:a14="http://schemas.microsoft.com/office/drawing/2010/main"/>
+                <a14:useLocalDpi xmlns:a14="http://schemas.microsoft.com/office/drawing/2010/main" val="0"/>
               </a:ext>
             </a:extLst>
           </a:blip>
@@ -24238,15 +24176,12 @@
         </p:blipFill>
         <p:spPr>
           <a:xfrm>
-            <a:off x="3352952" y="528213"/>
-            <a:ext cx="7794560" cy="2787978"/>
+            <a:off x="278822" y="1552158"/>
+            <a:ext cx="5325258" cy="5325258"/>
           </a:xfrm>
           <a:prstGeom prst="rect">
             <a:avLst/>
           </a:prstGeom>
-          <a:ln>
-            <a:noFill/>
-          </a:ln>
         </p:spPr>
       </p:pic>
       <p:pic>
@@ -24254,7 +24189,7 @@
           <p:cNvPr id="10" name="Picture 9">
             <a:extLst>
               <a:ext uri="{FF2B5EF4-FFF2-40B4-BE49-F238E27FC236}">
-                <a16:creationId xmlns:a16="http://schemas.microsoft.com/office/drawing/2014/main" id="{06C46EB5-0EFA-5D44-B871-6B931EDA325F}"/>
+                <a16:creationId xmlns:a16="http://schemas.microsoft.com/office/drawing/2014/main" id="{9391FD94-0591-FA4E-A868-B31721C9C889}"/>
               </a:ext>
             </a:extLst>
           </p:cNvPr>
@@ -24267,7 +24202,7 @@
           <a:blip r:embed="rId4">
             <a:extLst>
               <a:ext uri="{28A0092B-C50C-407E-A947-70E740481C1C}">
-                <a14:useLocalDpi xmlns:a14="http://schemas.microsoft.com/office/drawing/2010/main"/>
+                <a14:useLocalDpi xmlns:a14="http://schemas.microsoft.com/office/drawing/2010/main" val="0"/>
               </a:ext>
             </a:extLst>
           </a:blip>
@@ -24277,8 +24212,8 @@
         </p:blipFill>
         <p:spPr>
           <a:xfrm>
-            <a:off x="3908120" y="3959955"/>
-            <a:ext cx="7064680" cy="2414061"/>
+            <a:off x="6461580" y="1494032"/>
+            <a:ext cx="5325258" cy="5325258"/>
           </a:xfrm>
           <a:prstGeom prst="rect">
             <a:avLst/>
@@ -24288,7 +24223,7 @@
     </p:spTree>
     <p:extLst>
       <p:ext uri="{BB962C8B-B14F-4D97-AF65-F5344CB8AC3E}">
-        <p14:creationId xmlns:p14="http://schemas.microsoft.com/office/powerpoint/2010/main" val="2441238004"/>
+        <p14:creationId xmlns:p14="http://schemas.microsoft.com/office/powerpoint/2010/main" val="3241246560"/>
       </p:ext>
     </p:extLst>
   </p:cSld>
@@ -25950,12 +25885,12 @@
 <file path=ppt/theme/theme1.xml><?xml version="1.0" encoding="utf-8"?>
 <a:theme xmlns:a="http://schemas.openxmlformats.org/drawingml/2006/main" name="Office Theme">
   <a:themeElements>
-    <a:clrScheme name="Grayscale">
+    <a:clrScheme name="Custom 2">
       <a:dk1>
-        <a:sysClr val="windowText" lastClr="000000"/>
+        <a:srgbClr val="000000"/>
       </a:dk1>
       <a:lt1>
-        <a:sysClr val="window" lastClr="FFFFFF"/>
+        <a:srgbClr val="FFFFFF"/>
       </a:lt1>
       <a:dk2>
         <a:srgbClr val="000000"/>
@@ -25982,10 +25917,10 @@
         <a:srgbClr val="4D4D4D"/>
       </a:accent6>
       <a:hlink>
-        <a:srgbClr val="5F5F5F"/>
+        <a:srgbClr val="01AFEF"/>
       </a:hlink>
       <a:folHlink>
-        <a:srgbClr val="919191"/>
+        <a:srgbClr val="0098D1"/>
       </a:folHlink>
     </a:clrScheme>
     <a:fontScheme name="Arial">
